--- a/6-Presentation/Student-Analysis-Presentation.pptx
+++ b/6-Presentation/Student-Analysis-Presentation.pptx
@@ -8,9 +8,10 @@
     <p:sldId id="256" r:id="rId2"/>
     <p:sldId id="258" r:id="rId3"/>
     <p:sldId id="259" r:id="rId4"/>
-    <p:sldId id="260" r:id="rId5"/>
-    <p:sldId id="261" r:id="rId6"/>
-    <p:sldId id="262" r:id="rId7"/>
+    <p:sldId id="263" r:id="rId5"/>
+    <p:sldId id="260" r:id="rId6"/>
+    <p:sldId id="261" r:id="rId7"/>
+    <p:sldId id="262" r:id="rId8"/>
   </p:sldIdLst>
   <p:sldSz cx="12192000" cy="6858000"/>
   <p:notesSz cx="6858000" cy="9144000"/>
@@ -130,12 +131,12 @@
   <pc:docChgLst>
     <pc:chgData name="James Hill" userId="e2c62ebe3f1174e2" providerId="LiveId" clId="{B68C5E31-A373-4CD5-BD17-5EE8CD23E750}"/>
     <pc:docChg chg="undo redo custSel addSld delSld modSld">
-      <pc:chgData name="James Hill" userId="e2c62ebe3f1174e2" providerId="LiveId" clId="{B68C5E31-A373-4CD5-BD17-5EE8CD23E750}" dt="2024-02-20T14:56:46.767" v="3521" actId="47"/>
+      <pc:chgData name="James Hill" userId="e2c62ebe3f1174e2" providerId="LiveId" clId="{B68C5E31-A373-4CD5-BD17-5EE8CD23E750}" dt="2024-02-20T16:03:54.403" v="4606" actId="5793"/>
       <pc:docMkLst>
         <pc:docMk/>
       </pc:docMkLst>
       <pc:sldChg chg="addSp delSp modSp mod">
-        <pc:chgData name="James Hill" userId="e2c62ebe3f1174e2" providerId="LiveId" clId="{B68C5E31-A373-4CD5-BD17-5EE8CD23E750}" dt="2024-02-20T13:14:41.617" v="280" actId="20577"/>
+        <pc:chgData name="James Hill" userId="e2c62ebe3f1174e2" providerId="LiveId" clId="{B68C5E31-A373-4CD5-BD17-5EE8CD23E750}" dt="2024-02-20T15:11:04.988" v="3553" actId="20577"/>
         <pc:sldMkLst>
           <pc:docMk/>
           <pc:sldMk cId="930239146" sldId="258"/>
@@ -157,7 +158,7 @@
           </ac:spMkLst>
         </pc:spChg>
         <pc:spChg chg="add mod">
-          <ac:chgData name="James Hill" userId="e2c62ebe3f1174e2" providerId="LiveId" clId="{B68C5E31-A373-4CD5-BD17-5EE8CD23E750}" dt="2024-02-20T13:14:41.617" v="280" actId="20577"/>
+          <ac:chgData name="James Hill" userId="e2c62ebe3f1174e2" providerId="LiveId" clId="{B68C5E31-A373-4CD5-BD17-5EE8CD23E750}" dt="2024-02-20T15:11:04.988" v="3553" actId="20577"/>
           <ac:spMkLst>
             <pc:docMk/>
             <pc:sldMk cId="930239146" sldId="258"/>
@@ -421,6 +422,29 @@
             <pc:docMk/>
             <pc:sldMk cId="766490800" sldId="263"/>
             <ac:spMk id="3" creationId="{7BAA6094-349B-1806-8F31-BCAD17EA255D}"/>
+          </ac:spMkLst>
+        </pc:spChg>
+      </pc:sldChg>
+      <pc:sldChg chg="modSp add mod">
+        <pc:chgData name="James Hill" userId="e2c62ebe3f1174e2" providerId="LiveId" clId="{B68C5E31-A373-4CD5-BD17-5EE8CD23E750}" dt="2024-02-20T16:03:54.403" v="4606" actId="5793"/>
+        <pc:sldMkLst>
+          <pc:docMk/>
+          <pc:sldMk cId="3803972250" sldId="263"/>
+        </pc:sldMkLst>
+        <pc:spChg chg="mod">
+          <ac:chgData name="James Hill" userId="e2c62ebe3f1174e2" providerId="LiveId" clId="{B68C5E31-A373-4CD5-BD17-5EE8CD23E750}" dt="2024-02-20T15:19:15.153" v="3565" actId="20577"/>
+          <ac:spMkLst>
+            <pc:docMk/>
+            <pc:sldMk cId="3803972250" sldId="263"/>
+            <ac:spMk id="2" creationId="{80D06AE4-6DF0-1CAA-9A7D-27D05DD14551}"/>
+          </ac:spMkLst>
+        </pc:spChg>
+        <pc:spChg chg="mod">
+          <ac:chgData name="James Hill" userId="e2c62ebe3f1174e2" providerId="LiveId" clId="{B68C5E31-A373-4CD5-BD17-5EE8CD23E750}" dt="2024-02-20T16:03:54.403" v="4606" actId="5793"/>
+          <ac:spMkLst>
+            <pc:docMk/>
+            <pc:sldMk cId="3803972250" sldId="263"/>
+            <ac:spMk id="3" creationId="{DFF9821E-4F35-4BED-D98B-12AD463BCBEA}"/>
           </ac:spMkLst>
         </pc:spChg>
       </pc:sldChg>
@@ -5550,11 +5574,14 @@
               <a:buFont typeface="Arial" panose="020B0604020202020204" pitchFamily="34" charset="0"/>
               <a:buChar char="•"/>
             </a:pPr>
-            <a:endParaRPr lang="en-US" dirty="0">
-              <a:solidFill>
-                <a:schemeClr val="bg1"/>
-              </a:solidFill>
-            </a:endParaRPr>
+            <a:r>
+              <a:rPr lang="en-US" dirty="0">
+                <a:solidFill>
+                  <a:schemeClr val="bg1"/>
+                </a:solidFill>
+              </a:rPr>
+              <a:t>Finding the school names</a:t>
+            </a:r>
           </a:p>
         </p:txBody>
       </p:sp>
@@ -6198,7 +6225,7 @@
         <p:cNvPr id="1" name="">
           <a:extLst>
             <a:ext uri="{FF2B5EF4-FFF2-40B4-BE49-F238E27FC236}">
-              <a16:creationId xmlns:a16="http://schemas.microsoft.com/office/drawing/2014/main" id="{7AC1F11E-2269-3BF9-428F-2C9CEC5A8080}"/>
+              <a16:creationId xmlns:a16="http://schemas.microsoft.com/office/drawing/2014/main" id="{407614AB-19E7-B1EE-7B3A-7079BD4BD919}"/>
             </a:ext>
           </a:extLst>
         </p:cNvPr>
@@ -6218,7 +6245,7 @@
           <p:cNvPr id="14" name="Rectangle 13">
             <a:extLst>
               <a:ext uri="{FF2B5EF4-FFF2-40B4-BE49-F238E27FC236}">
-                <a16:creationId xmlns:a16="http://schemas.microsoft.com/office/drawing/2014/main" id="{2730C966-8008-4558-7A42-4DBCC36A41C5}"/>
+                <a16:creationId xmlns:a16="http://schemas.microsoft.com/office/drawing/2014/main" id="{3BD53538-753B-4158-290F-B5C8EEE95308}"/>
               </a:ext>
               <a:ext uri="{C183D7F6-B498-43B3-948B-1728B52AA6E4}">
                 <adec:decorative xmlns:adec="http://schemas.microsoft.com/office/drawing/2017/decorative" val="1"/>
@@ -6294,7 +6321,7 @@
           <p:cNvPr id="16" name="Rectangle 15">
             <a:extLst>
               <a:ext uri="{FF2B5EF4-FFF2-40B4-BE49-F238E27FC236}">
-                <a16:creationId xmlns:a16="http://schemas.microsoft.com/office/drawing/2014/main" id="{26C10F20-38C6-9911-80E0-6752541C695F}"/>
+                <a16:creationId xmlns:a16="http://schemas.microsoft.com/office/drawing/2014/main" id="{598F397E-EA94-3BED-8D59-49D6728732F5}"/>
               </a:ext>
               <a:ext uri="{C183D7F6-B498-43B3-948B-1728B52AA6E4}">
                 <adec:decorative xmlns:adec="http://schemas.microsoft.com/office/drawing/2017/decorative" val="1"/>
@@ -6360,7 +6387,7 @@
           <p:cNvPr id="17" name="Picture 16" descr="White structure">
             <a:extLst>
               <a:ext uri="{FF2B5EF4-FFF2-40B4-BE49-F238E27FC236}">
-                <a16:creationId xmlns:a16="http://schemas.microsoft.com/office/drawing/2014/main" id="{28F62C4E-73C7-7BA6-A07B-F0ED57535E36}"/>
+                <a16:creationId xmlns:a16="http://schemas.microsoft.com/office/drawing/2014/main" id="{44EA6473-7589-0E1A-ED2F-3E41935F89F9}"/>
               </a:ext>
             </a:extLst>
           </p:cNvPr>
@@ -6391,7 +6418,7 @@
           <p:cNvPr id="2" name="Title 1">
             <a:extLst>
               <a:ext uri="{FF2B5EF4-FFF2-40B4-BE49-F238E27FC236}">
-                <a16:creationId xmlns:a16="http://schemas.microsoft.com/office/drawing/2014/main" id="{E3BE1420-64BD-9362-A556-EF5807843850}"/>
+                <a16:creationId xmlns:a16="http://schemas.microsoft.com/office/drawing/2014/main" id="{80D06AE4-6DF0-1CAA-9A7D-27D05DD14551}"/>
               </a:ext>
             </a:extLst>
           </p:cNvPr>
@@ -6421,7 +6448,7 @@
                 </a:solidFill>
                 <a:latin typeface="+mn-lt"/>
               </a:rPr>
-              <a:t>Analysis - Methodology</a:t>
+              <a:t>Quick Facts</a:t>
             </a:r>
           </a:p>
         </p:txBody>
@@ -6431,7 +6458,7 @@
           <p:cNvPr id="13" name="Rectangle 12">
             <a:extLst>
               <a:ext uri="{FF2B5EF4-FFF2-40B4-BE49-F238E27FC236}">
-                <a16:creationId xmlns:a16="http://schemas.microsoft.com/office/drawing/2014/main" id="{D09B82D2-B83C-EE41-9A06-F94A78F67F45}"/>
+                <a16:creationId xmlns:a16="http://schemas.microsoft.com/office/drawing/2014/main" id="{9F6D55EB-2614-8DA2-FF26-6D0CFF361F6A}"/>
               </a:ext>
               <a:ext uri="{C183D7F6-B498-43B3-948B-1728B52AA6E4}">
                 <adec:decorative xmlns:adec="http://schemas.microsoft.com/office/drawing/2017/decorative" val="1"/>
@@ -6503,7 +6530,7 @@
           <p:cNvPr id="15" name="Rectangle 14">
             <a:extLst>
               <a:ext uri="{FF2B5EF4-FFF2-40B4-BE49-F238E27FC236}">
-                <a16:creationId xmlns:a16="http://schemas.microsoft.com/office/drawing/2014/main" id="{2C126495-768D-67E8-33F4-53D209CD58FE}"/>
+                <a16:creationId xmlns:a16="http://schemas.microsoft.com/office/drawing/2014/main" id="{171B601C-4CAE-C94A-5D9B-14344F3EA235}"/>
               </a:ext>
               <a:ext uri="{C183D7F6-B498-43B3-948B-1728B52AA6E4}">
                 <adec:decorative xmlns:adec="http://schemas.microsoft.com/office/drawing/2017/decorative" val="1"/>
@@ -6566,7 +6593,7 @@
           <p:cNvPr id="8" name="TextBox 7">
             <a:extLst>
               <a:ext uri="{FF2B5EF4-FFF2-40B4-BE49-F238E27FC236}">
-                <a16:creationId xmlns:a16="http://schemas.microsoft.com/office/drawing/2014/main" id="{DCDB04C0-55E4-FBD3-E8CA-D61439A67EB6}"/>
+                <a16:creationId xmlns:a16="http://schemas.microsoft.com/office/drawing/2014/main" id="{B427B5B3-379D-A3EC-9010-C2CBAD753E62}"/>
               </a:ext>
             </a:extLst>
           </p:cNvPr>
@@ -6598,7 +6625,7 @@
           <p:cNvPr id="3" name="TextBox 2">
             <a:extLst>
               <a:ext uri="{FF2B5EF4-FFF2-40B4-BE49-F238E27FC236}">
-                <a16:creationId xmlns:a16="http://schemas.microsoft.com/office/drawing/2014/main" id="{8A40103F-D051-BF41-99DB-6CDF6E51A913}"/>
+                <a16:creationId xmlns:a16="http://schemas.microsoft.com/office/drawing/2014/main" id="{DFF9821E-4F35-4BED-D98B-12AD463BCBEA}"/>
               </a:ext>
             </a:extLst>
           </p:cNvPr>
@@ -6608,7 +6635,7 @@
         <p:spPr>
           <a:xfrm>
             <a:off x="629476" y="912453"/>
-            <a:ext cx="8672188" cy="4524315"/>
+            <a:ext cx="8672188" cy="5355312"/>
           </a:xfrm>
           <a:prstGeom prst="rect">
             <a:avLst/>
@@ -6621,7 +6648,7 @@
           </a:bodyPr>
           <a:lstStyle/>
           <a:p>
-            <a:pPr marL="285750" indent="-285750">
+            <a:pPr marL="742950" lvl="1" indent="-285750">
               <a:buFont typeface="Arial" panose="020B0604020202020204" pitchFamily="34" charset="0"/>
               <a:buChar char="•"/>
             </a:pPr>
@@ -6631,11 +6658,11 @@
                   <a:schemeClr val="bg1"/>
                 </a:solidFill>
               </a:rPr>
-              <a:t>Visualize the data immediately</a:t>
-            </a:r>
-          </a:p>
-          <a:p>
-            <a:pPr marL="742950" lvl="1" indent="-285750">
+              <a:t>A total of 200 students identified in Grade 1</a:t>
+            </a:r>
+          </a:p>
+          <a:p>
+            <a:pPr marL="1200150" lvl="2" indent="-285750">
               <a:buFont typeface="Arial" panose="020B0604020202020204" pitchFamily="34" charset="0"/>
               <a:buChar char="•"/>
             </a:pPr>
@@ -6645,21 +6672,7 @@
                   <a:schemeClr val="bg1"/>
                 </a:solidFill>
               </a:rPr>
-              <a:t>The first parts of the story</a:t>
-            </a:r>
-          </a:p>
-          <a:p>
-            <a:pPr marL="742950" lvl="1" indent="-285750">
-              <a:buFont typeface="Arial" panose="020B0604020202020204" pitchFamily="34" charset="0"/>
-              <a:buChar char="•"/>
-            </a:pPr>
-            <a:r>
-              <a:rPr lang="en-US" dirty="0">
-                <a:solidFill>
-                  <a:schemeClr val="bg1"/>
-                </a:solidFill>
-              </a:rPr>
-              <a:t>Histograms are great for displaying distributions</a:t>
+              <a:t>26 of which had an associated school linked to their student id</a:t>
             </a:r>
           </a:p>
           <a:p>
@@ -6674,7 +6687,85 @@
             </a:endParaRPr>
           </a:p>
           <a:p>
-            <a:pPr marL="285750" indent="-285750">
+            <a:pPr marL="742950" lvl="1" indent="-285750">
+              <a:buFont typeface="Arial" panose="020B0604020202020204" pitchFamily="34" charset="0"/>
+              <a:buChar char="•"/>
+            </a:pPr>
+            <a:r>
+              <a:rPr lang="en-US" dirty="0">
+                <a:solidFill>
+                  <a:schemeClr val="bg1"/>
+                </a:solidFill>
+              </a:rPr>
+              <a:t>School AF has the lowest average DIBEL scores – 13.93</a:t>
+            </a:r>
+          </a:p>
+          <a:p>
+            <a:pPr marL="1200150" lvl="2" indent="-285750">
+              <a:buFont typeface="Arial" panose="020B0604020202020204" pitchFamily="34" charset="0"/>
+              <a:buChar char="•"/>
+            </a:pPr>
+            <a:r>
+              <a:rPr lang="en-US" dirty="0">
+                <a:solidFill>
+                  <a:schemeClr val="bg1"/>
+                </a:solidFill>
+              </a:rPr>
+              <a:t>With Nonsense Words Fluency-Whole Words Read as their struggle</a:t>
+            </a:r>
+          </a:p>
+          <a:p>
+            <a:pPr marL="1200150" lvl="2" indent="-285750">
+              <a:buFont typeface="Arial" panose="020B0604020202020204" pitchFamily="34" charset="0"/>
+              <a:buChar char="•"/>
+            </a:pPr>
+            <a:r>
+              <a:rPr lang="en-US" dirty="0">
+                <a:solidFill>
+                  <a:schemeClr val="bg1"/>
+                </a:solidFill>
+              </a:rPr>
+              <a:t>Their best performance lies in Letter Naming Fluency</a:t>
+            </a:r>
+          </a:p>
+          <a:p>
+            <a:pPr lvl="2"/>
+            <a:endParaRPr lang="en-US" dirty="0">
+              <a:solidFill>
+                <a:schemeClr val="bg1"/>
+              </a:solidFill>
+            </a:endParaRPr>
+          </a:p>
+          <a:p>
+            <a:pPr marL="742950" lvl="1" indent="-285750">
+              <a:buFont typeface="Arial" panose="020B0604020202020204" pitchFamily="34" charset="0"/>
+              <a:buChar char="•"/>
+            </a:pPr>
+            <a:r>
+              <a:rPr lang="en-US" dirty="0">
+                <a:solidFill>
+                  <a:schemeClr val="bg1"/>
+                </a:solidFill>
+              </a:rPr>
+              <a:t>School AG has the best average DIBEL scores – 21.43</a:t>
+            </a:r>
+          </a:p>
+          <a:p>
+            <a:pPr marL="1200150" lvl="2" indent="-285750">
+              <a:buFont typeface="Arial" panose="020B0604020202020204" pitchFamily="34" charset="0"/>
+              <a:buChar char="•"/>
+            </a:pPr>
+            <a:r>
+              <a:rPr lang="en-US" dirty="0">
+                <a:solidFill>
+                  <a:schemeClr val="bg1"/>
+                </a:solidFill>
+              </a:rPr>
+              <a:t>However, this should be taken lightly as there is only one data point available</a:t>
+            </a:r>
+          </a:p>
+          <a:p>
+            <a:pPr marL="742950" lvl="1" indent="-285750">
               <a:buFont typeface="Arial" panose="020B0604020202020204" pitchFamily="34" charset="0"/>
               <a:buChar char="•"/>
             </a:pPr>
@@ -6685,7 +6776,21 @@
             </a:endParaRPr>
           </a:p>
           <a:p>
-            <a:pPr marL="285750" indent="-285750">
+            <a:pPr marL="742950" lvl="1" indent="-285750">
+              <a:buFont typeface="Arial" panose="020B0604020202020204" pitchFamily="34" charset="0"/>
+              <a:buChar char="•"/>
+            </a:pPr>
+            <a:r>
+              <a:rPr lang="en-US" dirty="0">
+                <a:solidFill>
+                  <a:schemeClr val="bg1"/>
+                </a:solidFill>
+              </a:rPr>
+              <a:t>Nonsense Words Fluency-Whole Words appears to be the biggest struggle for all the Grade 1 students, with an average score of 4.94</a:t>
+            </a:r>
+          </a:p>
+          <a:p>
+            <a:pPr marL="742950" lvl="1" indent="-285750">
               <a:buFont typeface="Arial" panose="020B0604020202020204" pitchFamily="34" charset="0"/>
               <a:buChar char="•"/>
             </a:pPr>
@@ -6696,51 +6801,7 @@
             </a:endParaRPr>
           </a:p>
           <a:p>
-            <a:pPr marL="285750" indent="-285750">
-              <a:buFont typeface="Arial" panose="020B0604020202020204" pitchFamily="34" charset="0"/>
-              <a:buChar char="•"/>
-            </a:pPr>
-            <a:endParaRPr lang="en-US" dirty="0">
-              <a:solidFill>
-                <a:schemeClr val="bg1"/>
-              </a:solidFill>
-            </a:endParaRPr>
-          </a:p>
-          <a:p>
-            <a:pPr marL="285750" indent="-285750">
-              <a:buFont typeface="Arial" panose="020B0604020202020204" pitchFamily="34" charset="0"/>
-              <a:buChar char="•"/>
-            </a:pPr>
-            <a:endParaRPr lang="en-US" dirty="0">
-              <a:solidFill>
-                <a:schemeClr val="bg1"/>
-              </a:solidFill>
-            </a:endParaRPr>
-          </a:p>
-          <a:p>
-            <a:pPr marL="285750" indent="-285750">
-              <a:buFont typeface="Arial" panose="020B0604020202020204" pitchFamily="34" charset="0"/>
-              <a:buChar char="•"/>
-            </a:pPr>
-            <a:endParaRPr lang="en-US" dirty="0">
-              <a:solidFill>
-                <a:schemeClr val="bg1"/>
-              </a:solidFill>
-            </a:endParaRPr>
-          </a:p>
-          <a:p>
-            <a:pPr marL="285750" indent="-285750">
-              <a:buFont typeface="Arial" panose="020B0604020202020204" pitchFamily="34" charset="0"/>
-              <a:buChar char="•"/>
-            </a:pPr>
-            <a:endParaRPr lang="en-US" dirty="0">
-              <a:solidFill>
-                <a:schemeClr val="bg1"/>
-              </a:solidFill>
-            </a:endParaRPr>
-          </a:p>
-          <a:p>
-            <a:pPr marL="285750" indent="-285750">
+            <a:pPr marL="742950" lvl="1" indent="-285750">
               <a:buFont typeface="Arial" panose="020B0604020202020204" pitchFamily="34" charset="0"/>
               <a:buChar char="•"/>
             </a:pPr>
@@ -6750,11 +6811,11 @@
                   <a:schemeClr val="bg1"/>
                 </a:solidFill>
               </a:rPr>
-              <a:t>Use domain and/or qualitative information wherever possible</a:t>
-            </a:r>
-          </a:p>
-          <a:p>
-            <a:pPr marL="742950" lvl="1" indent="-285750">
+              <a:t>Questions:</a:t>
+            </a:r>
+          </a:p>
+          <a:p>
+            <a:pPr marL="1200150" lvl="2" indent="-285750">
               <a:buFont typeface="Arial" panose="020B0604020202020204" pitchFamily="34" charset="0"/>
               <a:buChar char="•"/>
             </a:pPr>
@@ -6764,108 +6825,43 @@
                   <a:schemeClr val="bg1"/>
                 </a:solidFill>
               </a:rPr>
-              <a:t>This helps a ton in not only finding key relationships, but understanding what the data means</a:t>
-            </a:r>
-          </a:p>
-          <a:p>
-            <a:pPr marL="285750" indent="-285750">
+              <a:t>Does school AF need more resources?</a:t>
+            </a:r>
+          </a:p>
+          <a:p>
+            <a:pPr marL="1200150" lvl="2" indent="-285750">
               <a:buFont typeface="Arial" panose="020B0604020202020204" pitchFamily="34" charset="0"/>
               <a:buChar char="•"/>
             </a:pPr>
-            <a:endParaRPr lang="en-US" dirty="0">
-              <a:solidFill>
-                <a:schemeClr val="bg1"/>
-              </a:solidFill>
-            </a:endParaRPr>
-          </a:p>
-          <a:p>
-            <a:pPr marL="285750" indent="-285750">
+            <a:r>
+              <a:rPr lang="en-US" dirty="0">
+                <a:solidFill>
+                  <a:schemeClr val="bg1"/>
+                </a:solidFill>
+              </a:rPr>
+              <a:t>Does school AF support their students well in our program?</a:t>
+            </a:r>
+          </a:p>
+          <a:p>
+            <a:pPr marL="1200150" lvl="2" indent="-285750">
               <a:buFont typeface="Arial" panose="020B0604020202020204" pitchFamily="34" charset="0"/>
               <a:buChar char="•"/>
             </a:pPr>
-            <a:endParaRPr lang="en-US" dirty="0">
-              <a:solidFill>
-                <a:schemeClr val="bg1"/>
-              </a:solidFill>
-            </a:endParaRPr>
-          </a:p>
-          <a:p>
-            <a:pPr marL="285750" indent="-285750">
-              <a:buFont typeface="Arial" panose="020B0604020202020204" pitchFamily="34" charset="0"/>
-              <a:buChar char="•"/>
-            </a:pPr>
-            <a:endParaRPr lang="en-US" dirty="0">
-              <a:solidFill>
-                <a:schemeClr val="bg1"/>
-              </a:solidFill>
-            </a:endParaRPr>
-          </a:p>
-        </p:txBody>
-      </p:sp>
-      <p:pic>
-        <p:nvPicPr>
-          <p:cNvPr id="5" name="Picture 4">
-            <a:extLst>
-              <a:ext uri="{FF2B5EF4-FFF2-40B4-BE49-F238E27FC236}">
-                <a16:creationId xmlns:a16="http://schemas.microsoft.com/office/drawing/2014/main" id="{1EDC2A83-C5B2-C81D-E884-C68A4ADCD4F2}"/>
-              </a:ext>
-            </a:extLst>
-          </p:cNvPr>
-          <p:cNvPicPr>
-            <a:picLocks noChangeAspect="1"/>
-          </p:cNvPicPr>
-          <p:nvPr/>
-        </p:nvPicPr>
-        <p:blipFill>
-          <a:blip r:embed="rId5"/>
-          <a:stretch>
-            <a:fillRect/>
-          </a:stretch>
-        </p:blipFill>
-        <p:spPr>
-          <a:xfrm>
-            <a:off x="7102552" y="912452"/>
-            <a:ext cx="4581525" cy="2543175"/>
-          </a:xfrm>
-          <a:prstGeom prst="rect">
-            <a:avLst/>
-          </a:prstGeom>
-        </p:spPr>
-      </p:pic>
-      <p:pic>
-        <p:nvPicPr>
-          <p:cNvPr id="11" name="Picture 10">
-            <a:extLst>
-              <a:ext uri="{FF2B5EF4-FFF2-40B4-BE49-F238E27FC236}">
-                <a16:creationId xmlns:a16="http://schemas.microsoft.com/office/drawing/2014/main" id="{2538EBF7-D980-5287-0717-B3402FADB731}"/>
-              </a:ext>
-            </a:extLst>
-          </p:cNvPr>
-          <p:cNvPicPr>
-            <a:picLocks noChangeAspect="1"/>
-          </p:cNvPicPr>
-          <p:nvPr/>
-        </p:nvPicPr>
-        <p:blipFill>
-          <a:blip r:embed="rId6"/>
-          <a:stretch>
-            <a:fillRect/>
-          </a:stretch>
-        </p:blipFill>
-        <p:spPr>
-          <a:xfrm>
-            <a:off x="7089929" y="4360983"/>
-            <a:ext cx="4056867" cy="2475376"/>
-          </a:xfrm>
-          <a:prstGeom prst="rect">
-            <a:avLst/>
-          </a:prstGeom>
-        </p:spPr>
-      </p:pic>
+            <a:r>
+              <a:rPr lang="en-US" dirty="0">
+                <a:solidFill>
+                  <a:schemeClr val="bg1"/>
+                </a:solidFill>
+              </a:rPr>
+              <a:t>Have we done any experiments in improving our existing approach with NWF-WRC?</a:t>
+            </a:r>
+          </a:p>
+        </p:txBody>
+      </p:sp>
     </p:spTree>
     <p:extLst>
       <p:ext uri="{BB962C8B-B14F-4D97-AF65-F5344CB8AC3E}">
-        <p14:creationId xmlns:p14="http://schemas.microsoft.com/office/powerpoint/2010/main" val="2641328956"/>
+        <p14:creationId xmlns:p14="http://schemas.microsoft.com/office/powerpoint/2010/main" val="3803972250"/>
       </p:ext>
     </p:extLst>
   </p:cSld>
@@ -6891,7 +6887,7 @@
         <p:cNvPr id="1" name="">
           <a:extLst>
             <a:ext uri="{FF2B5EF4-FFF2-40B4-BE49-F238E27FC236}">
-              <a16:creationId xmlns:a16="http://schemas.microsoft.com/office/drawing/2014/main" id="{2F7DAC09-55E8-6B76-8234-02B024E910D2}"/>
+              <a16:creationId xmlns:a16="http://schemas.microsoft.com/office/drawing/2014/main" id="{7AC1F11E-2269-3BF9-428F-2C9CEC5A8080}"/>
             </a:ext>
           </a:extLst>
         </p:cNvPr>
@@ -6911,7 +6907,7 @@
           <p:cNvPr id="14" name="Rectangle 13">
             <a:extLst>
               <a:ext uri="{FF2B5EF4-FFF2-40B4-BE49-F238E27FC236}">
-                <a16:creationId xmlns:a16="http://schemas.microsoft.com/office/drawing/2014/main" id="{07938467-D79F-DB22-8E6D-4D711EF539E4}"/>
+                <a16:creationId xmlns:a16="http://schemas.microsoft.com/office/drawing/2014/main" id="{2730C966-8008-4558-7A42-4DBCC36A41C5}"/>
               </a:ext>
               <a:ext uri="{C183D7F6-B498-43B3-948B-1728B52AA6E4}">
                 <adec:decorative xmlns:adec="http://schemas.microsoft.com/office/drawing/2017/decorative" val="1"/>
@@ -6987,7 +6983,7 @@
           <p:cNvPr id="16" name="Rectangle 15">
             <a:extLst>
               <a:ext uri="{FF2B5EF4-FFF2-40B4-BE49-F238E27FC236}">
-                <a16:creationId xmlns:a16="http://schemas.microsoft.com/office/drawing/2014/main" id="{000CCB1D-75F3-3D49-69FB-ED516F293A46}"/>
+                <a16:creationId xmlns:a16="http://schemas.microsoft.com/office/drawing/2014/main" id="{26C10F20-38C6-9911-80E0-6752541C695F}"/>
               </a:ext>
               <a:ext uri="{C183D7F6-B498-43B3-948B-1728B52AA6E4}">
                 <adec:decorative xmlns:adec="http://schemas.microsoft.com/office/drawing/2017/decorative" val="1"/>
@@ -7053,7 +7049,7 @@
           <p:cNvPr id="17" name="Picture 16" descr="White structure">
             <a:extLst>
               <a:ext uri="{FF2B5EF4-FFF2-40B4-BE49-F238E27FC236}">
-                <a16:creationId xmlns:a16="http://schemas.microsoft.com/office/drawing/2014/main" id="{445D6C4E-B671-9B73-56C1-BB93D91483BF}"/>
+                <a16:creationId xmlns:a16="http://schemas.microsoft.com/office/drawing/2014/main" id="{28F62C4E-73C7-7BA6-A07B-F0ED57535E36}"/>
               </a:ext>
             </a:extLst>
           </p:cNvPr>
@@ -7084,7 +7080,7 @@
           <p:cNvPr id="2" name="Title 1">
             <a:extLst>
               <a:ext uri="{FF2B5EF4-FFF2-40B4-BE49-F238E27FC236}">
-                <a16:creationId xmlns:a16="http://schemas.microsoft.com/office/drawing/2014/main" id="{BB8B9F45-3D91-A297-6290-49C37171F876}"/>
+                <a16:creationId xmlns:a16="http://schemas.microsoft.com/office/drawing/2014/main" id="{E3BE1420-64BD-9362-A556-EF5807843850}"/>
               </a:ext>
             </a:extLst>
           </p:cNvPr>
@@ -7114,7 +7110,7 @@
                 </a:solidFill>
                 <a:latin typeface="+mn-lt"/>
               </a:rPr>
-              <a:t>Analysis – NWF-CLS vs ORF</a:t>
+              <a:t>Analysis - Methodology</a:t>
             </a:r>
           </a:p>
         </p:txBody>
@@ -7124,7 +7120,7 @@
           <p:cNvPr id="13" name="Rectangle 12">
             <a:extLst>
               <a:ext uri="{FF2B5EF4-FFF2-40B4-BE49-F238E27FC236}">
-                <a16:creationId xmlns:a16="http://schemas.microsoft.com/office/drawing/2014/main" id="{6FACEDC7-44F0-1C5C-954F-D252C0F91E63}"/>
+                <a16:creationId xmlns:a16="http://schemas.microsoft.com/office/drawing/2014/main" id="{D09B82D2-B83C-EE41-9A06-F94A78F67F45}"/>
               </a:ext>
               <a:ext uri="{C183D7F6-B498-43B3-948B-1728B52AA6E4}">
                 <adec:decorative xmlns:adec="http://schemas.microsoft.com/office/drawing/2017/decorative" val="1"/>
@@ -7196,7 +7192,7 @@
           <p:cNvPr id="15" name="Rectangle 14">
             <a:extLst>
               <a:ext uri="{FF2B5EF4-FFF2-40B4-BE49-F238E27FC236}">
-                <a16:creationId xmlns:a16="http://schemas.microsoft.com/office/drawing/2014/main" id="{04CB83E1-6031-C690-39E7-407529C8F04F}"/>
+                <a16:creationId xmlns:a16="http://schemas.microsoft.com/office/drawing/2014/main" id="{2C126495-768D-67E8-33F4-53D209CD58FE}"/>
               </a:ext>
               <a:ext uri="{C183D7F6-B498-43B3-948B-1728B52AA6E4}">
                 <adec:decorative xmlns:adec="http://schemas.microsoft.com/office/drawing/2017/decorative" val="1"/>
@@ -7259,6 +7255,699 @@
           <p:cNvPr id="8" name="TextBox 7">
             <a:extLst>
               <a:ext uri="{FF2B5EF4-FFF2-40B4-BE49-F238E27FC236}">
+                <a16:creationId xmlns:a16="http://schemas.microsoft.com/office/drawing/2014/main" id="{DCDB04C0-55E4-FBD3-E8CA-D61439A67EB6}"/>
+              </a:ext>
+            </a:extLst>
+          </p:cNvPr>
+          <p:cNvSpPr txBox="1"/>
+          <p:nvPr/>
+        </p:nvSpPr>
+        <p:spPr>
+          <a:xfrm>
+            <a:off x="642728" y="1384419"/>
+            <a:ext cx="8475635" cy="1068224"/>
+          </a:xfrm>
+          <a:prstGeom prst="rect">
+            <a:avLst/>
+          </a:prstGeom>
+          <a:noFill/>
+        </p:spPr>
+        <p:txBody>
+          <a:bodyPr wrap="square" rtlCol="0">
+            <a:spAutoFit/>
+          </a:bodyPr>
+          <a:lstStyle/>
+          <a:p>
+            <a:endParaRPr lang="en-US" dirty="0"/>
+          </a:p>
+        </p:txBody>
+      </p:sp>
+      <p:sp>
+        <p:nvSpPr>
+          <p:cNvPr id="3" name="TextBox 2">
+            <a:extLst>
+              <a:ext uri="{FF2B5EF4-FFF2-40B4-BE49-F238E27FC236}">
+                <a16:creationId xmlns:a16="http://schemas.microsoft.com/office/drawing/2014/main" id="{8A40103F-D051-BF41-99DB-6CDF6E51A913}"/>
+              </a:ext>
+            </a:extLst>
+          </p:cNvPr>
+          <p:cNvSpPr txBox="1"/>
+          <p:nvPr/>
+        </p:nvSpPr>
+        <p:spPr>
+          <a:xfrm>
+            <a:off x="629476" y="912453"/>
+            <a:ext cx="8672188" cy="4524315"/>
+          </a:xfrm>
+          <a:prstGeom prst="rect">
+            <a:avLst/>
+          </a:prstGeom>
+          <a:noFill/>
+        </p:spPr>
+        <p:txBody>
+          <a:bodyPr wrap="square" rtlCol="0">
+            <a:spAutoFit/>
+          </a:bodyPr>
+          <a:lstStyle/>
+          <a:p>
+            <a:pPr marL="285750" indent="-285750">
+              <a:buFont typeface="Arial" panose="020B0604020202020204" pitchFamily="34" charset="0"/>
+              <a:buChar char="•"/>
+            </a:pPr>
+            <a:r>
+              <a:rPr lang="en-US" dirty="0">
+                <a:solidFill>
+                  <a:schemeClr val="bg1"/>
+                </a:solidFill>
+              </a:rPr>
+              <a:t>Visualize the data immediately</a:t>
+            </a:r>
+          </a:p>
+          <a:p>
+            <a:pPr marL="742950" lvl="1" indent="-285750">
+              <a:buFont typeface="Arial" panose="020B0604020202020204" pitchFamily="34" charset="0"/>
+              <a:buChar char="•"/>
+            </a:pPr>
+            <a:r>
+              <a:rPr lang="en-US" dirty="0">
+                <a:solidFill>
+                  <a:schemeClr val="bg1"/>
+                </a:solidFill>
+              </a:rPr>
+              <a:t>The first parts of the story</a:t>
+            </a:r>
+          </a:p>
+          <a:p>
+            <a:pPr marL="742950" lvl="1" indent="-285750">
+              <a:buFont typeface="Arial" panose="020B0604020202020204" pitchFamily="34" charset="0"/>
+              <a:buChar char="•"/>
+            </a:pPr>
+            <a:r>
+              <a:rPr lang="en-US" dirty="0">
+                <a:solidFill>
+                  <a:schemeClr val="bg1"/>
+                </a:solidFill>
+              </a:rPr>
+              <a:t>Histograms are great for displaying distributions</a:t>
+            </a:r>
+          </a:p>
+          <a:p>
+            <a:pPr marL="742950" lvl="1" indent="-285750">
+              <a:buFont typeface="Arial" panose="020B0604020202020204" pitchFamily="34" charset="0"/>
+              <a:buChar char="•"/>
+            </a:pPr>
+            <a:endParaRPr lang="en-US" dirty="0">
+              <a:solidFill>
+                <a:schemeClr val="bg1"/>
+              </a:solidFill>
+            </a:endParaRPr>
+          </a:p>
+          <a:p>
+            <a:pPr marL="285750" indent="-285750">
+              <a:buFont typeface="Arial" panose="020B0604020202020204" pitchFamily="34" charset="0"/>
+              <a:buChar char="•"/>
+            </a:pPr>
+            <a:endParaRPr lang="en-US" dirty="0">
+              <a:solidFill>
+                <a:schemeClr val="bg1"/>
+              </a:solidFill>
+            </a:endParaRPr>
+          </a:p>
+          <a:p>
+            <a:pPr marL="285750" indent="-285750">
+              <a:buFont typeface="Arial" panose="020B0604020202020204" pitchFamily="34" charset="0"/>
+              <a:buChar char="•"/>
+            </a:pPr>
+            <a:endParaRPr lang="en-US" dirty="0">
+              <a:solidFill>
+                <a:schemeClr val="bg1"/>
+              </a:solidFill>
+            </a:endParaRPr>
+          </a:p>
+          <a:p>
+            <a:pPr marL="285750" indent="-285750">
+              <a:buFont typeface="Arial" panose="020B0604020202020204" pitchFamily="34" charset="0"/>
+              <a:buChar char="•"/>
+            </a:pPr>
+            <a:endParaRPr lang="en-US" dirty="0">
+              <a:solidFill>
+                <a:schemeClr val="bg1"/>
+              </a:solidFill>
+            </a:endParaRPr>
+          </a:p>
+          <a:p>
+            <a:pPr marL="285750" indent="-285750">
+              <a:buFont typeface="Arial" panose="020B0604020202020204" pitchFamily="34" charset="0"/>
+              <a:buChar char="•"/>
+            </a:pPr>
+            <a:endParaRPr lang="en-US" dirty="0">
+              <a:solidFill>
+                <a:schemeClr val="bg1"/>
+              </a:solidFill>
+            </a:endParaRPr>
+          </a:p>
+          <a:p>
+            <a:pPr marL="285750" indent="-285750">
+              <a:buFont typeface="Arial" panose="020B0604020202020204" pitchFamily="34" charset="0"/>
+              <a:buChar char="•"/>
+            </a:pPr>
+            <a:endParaRPr lang="en-US" dirty="0">
+              <a:solidFill>
+                <a:schemeClr val="bg1"/>
+              </a:solidFill>
+            </a:endParaRPr>
+          </a:p>
+          <a:p>
+            <a:pPr marL="285750" indent="-285750">
+              <a:buFont typeface="Arial" panose="020B0604020202020204" pitchFamily="34" charset="0"/>
+              <a:buChar char="•"/>
+            </a:pPr>
+            <a:endParaRPr lang="en-US" dirty="0">
+              <a:solidFill>
+                <a:schemeClr val="bg1"/>
+              </a:solidFill>
+            </a:endParaRPr>
+          </a:p>
+          <a:p>
+            <a:pPr marL="285750" indent="-285750">
+              <a:buFont typeface="Arial" panose="020B0604020202020204" pitchFamily="34" charset="0"/>
+              <a:buChar char="•"/>
+            </a:pPr>
+            <a:r>
+              <a:rPr lang="en-US" dirty="0">
+                <a:solidFill>
+                  <a:schemeClr val="bg1"/>
+                </a:solidFill>
+              </a:rPr>
+              <a:t>Use domain and/or qualitative information wherever possible</a:t>
+            </a:r>
+          </a:p>
+          <a:p>
+            <a:pPr marL="742950" lvl="1" indent="-285750">
+              <a:buFont typeface="Arial" panose="020B0604020202020204" pitchFamily="34" charset="0"/>
+              <a:buChar char="•"/>
+            </a:pPr>
+            <a:r>
+              <a:rPr lang="en-US" dirty="0">
+                <a:solidFill>
+                  <a:schemeClr val="bg1"/>
+                </a:solidFill>
+              </a:rPr>
+              <a:t>This helps a ton in not only finding key relationships, but understanding what the data means</a:t>
+            </a:r>
+          </a:p>
+          <a:p>
+            <a:pPr marL="285750" indent="-285750">
+              <a:buFont typeface="Arial" panose="020B0604020202020204" pitchFamily="34" charset="0"/>
+              <a:buChar char="•"/>
+            </a:pPr>
+            <a:endParaRPr lang="en-US" dirty="0">
+              <a:solidFill>
+                <a:schemeClr val="bg1"/>
+              </a:solidFill>
+            </a:endParaRPr>
+          </a:p>
+          <a:p>
+            <a:pPr marL="285750" indent="-285750">
+              <a:buFont typeface="Arial" panose="020B0604020202020204" pitchFamily="34" charset="0"/>
+              <a:buChar char="•"/>
+            </a:pPr>
+            <a:endParaRPr lang="en-US" dirty="0">
+              <a:solidFill>
+                <a:schemeClr val="bg1"/>
+              </a:solidFill>
+            </a:endParaRPr>
+          </a:p>
+          <a:p>
+            <a:pPr marL="285750" indent="-285750">
+              <a:buFont typeface="Arial" panose="020B0604020202020204" pitchFamily="34" charset="0"/>
+              <a:buChar char="•"/>
+            </a:pPr>
+            <a:endParaRPr lang="en-US" dirty="0">
+              <a:solidFill>
+                <a:schemeClr val="bg1"/>
+              </a:solidFill>
+            </a:endParaRPr>
+          </a:p>
+        </p:txBody>
+      </p:sp>
+      <p:pic>
+        <p:nvPicPr>
+          <p:cNvPr id="5" name="Picture 4">
+            <a:extLst>
+              <a:ext uri="{FF2B5EF4-FFF2-40B4-BE49-F238E27FC236}">
+                <a16:creationId xmlns:a16="http://schemas.microsoft.com/office/drawing/2014/main" id="{1EDC2A83-C5B2-C81D-E884-C68A4ADCD4F2}"/>
+              </a:ext>
+            </a:extLst>
+          </p:cNvPr>
+          <p:cNvPicPr>
+            <a:picLocks noChangeAspect="1"/>
+          </p:cNvPicPr>
+          <p:nvPr/>
+        </p:nvPicPr>
+        <p:blipFill>
+          <a:blip r:embed="rId5"/>
+          <a:stretch>
+            <a:fillRect/>
+          </a:stretch>
+        </p:blipFill>
+        <p:spPr>
+          <a:xfrm>
+            <a:off x="7102552" y="912452"/>
+            <a:ext cx="4581525" cy="2543175"/>
+          </a:xfrm>
+          <a:prstGeom prst="rect">
+            <a:avLst/>
+          </a:prstGeom>
+        </p:spPr>
+      </p:pic>
+      <p:pic>
+        <p:nvPicPr>
+          <p:cNvPr id="11" name="Picture 10">
+            <a:extLst>
+              <a:ext uri="{FF2B5EF4-FFF2-40B4-BE49-F238E27FC236}">
+                <a16:creationId xmlns:a16="http://schemas.microsoft.com/office/drawing/2014/main" id="{2538EBF7-D980-5287-0717-B3402FADB731}"/>
+              </a:ext>
+            </a:extLst>
+          </p:cNvPr>
+          <p:cNvPicPr>
+            <a:picLocks noChangeAspect="1"/>
+          </p:cNvPicPr>
+          <p:nvPr/>
+        </p:nvPicPr>
+        <p:blipFill>
+          <a:blip r:embed="rId6"/>
+          <a:stretch>
+            <a:fillRect/>
+          </a:stretch>
+        </p:blipFill>
+        <p:spPr>
+          <a:xfrm>
+            <a:off x="7089929" y="4360983"/>
+            <a:ext cx="4056867" cy="2475376"/>
+          </a:xfrm>
+          <a:prstGeom prst="rect">
+            <a:avLst/>
+          </a:prstGeom>
+        </p:spPr>
+      </p:pic>
+    </p:spTree>
+    <p:extLst>
+      <p:ext uri="{BB962C8B-B14F-4D97-AF65-F5344CB8AC3E}">
+        <p14:creationId xmlns:p14="http://schemas.microsoft.com/office/powerpoint/2010/main" val="2641328956"/>
+      </p:ext>
+    </p:extLst>
+  </p:cSld>
+  <p:clrMapOvr>
+    <a:masterClrMapping/>
+  </p:clrMapOvr>
+</p:sld>
+</file>
+
+<file path=ppt/slides/slide6.xml><?xml version="1.0" encoding="utf-8"?>
+<p:sld xmlns:a="http://schemas.openxmlformats.org/drawingml/2006/main" xmlns:r="http://schemas.openxmlformats.org/officeDocument/2006/relationships" xmlns:p="http://schemas.openxmlformats.org/presentationml/2006/main">
+  <p:cSld>
+    <p:bg>
+      <p:bgPr>
+        <a:solidFill>
+          <a:schemeClr val="bg1"/>
+        </a:solidFill>
+        <a:effectLst/>
+      </p:bgPr>
+    </p:bg>
+    <p:spTree>
+      <p:nvGrpSpPr>
+        <p:cNvPr id="1" name="">
+          <a:extLst>
+            <a:ext uri="{FF2B5EF4-FFF2-40B4-BE49-F238E27FC236}">
+              <a16:creationId xmlns:a16="http://schemas.microsoft.com/office/drawing/2014/main" id="{2F7DAC09-55E8-6B76-8234-02B024E910D2}"/>
+            </a:ext>
+          </a:extLst>
+        </p:cNvPr>
+        <p:cNvGrpSpPr/>
+        <p:nvPr/>
+      </p:nvGrpSpPr>
+      <p:grpSpPr>
+        <a:xfrm>
+          <a:off x="0" y="0"/>
+          <a:ext cx="0" cy="0"/>
+          <a:chOff x="0" y="0"/>
+          <a:chExt cx="0" cy="0"/>
+        </a:xfrm>
+      </p:grpSpPr>
+      <p:sp useBgFill="1">
+        <p:nvSpPr>
+          <p:cNvPr id="14" name="Rectangle 13">
+            <a:extLst>
+              <a:ext uri="{FF2B5EF4-FFF2-40B4-BE49-F238E27FC236}">
+                <a16:creationId xmlns:a16="http://schemas.microsoft.com/office/drawing/2014/main" id="{07938467-D79F-DB22-8E6D-4D711EF539E4}"/>
+              </a:ext>
+              <a:ext uri="{C183D7F6-B498-43B3-948B-1728B52AA6E4}">
+                <adec:decorative xmlns:adec="http://schemas.microsoft.com/office/drawing/2017/decorative" val="1"/>
+              </a:ext>
+            </a:extLst>
+          </p:cNvPr>
+          <p:cNvSpPr>
+            <a:spLocks noGrp="1" noRot="1" noChangeAspect="1" noMove="1" noResize="1" noEditPoints="1" noAdjustHandles="1" noChangeArrowheads="1" noChangeShapeType="1" noTextEdit="1"/>
+          </p:cNvSpPr>
+          <p:nvPr>
+            <p:extLst>
+              <p:ext uri="{386F3935-93C4-4BCD-93E2-E3B085C9AB24}">
+                <p16:designElem xmlns:p16="http://schemas.microsoft.com/office/powerpoint/2015/main" val="1"/>
+              </p:ext>
+            </p:extLst>
+          </p:nvPr>
+        </p:nvSpPr>
+        <p:spPr>
+          <a:xfrm>
+            <a:off x="0" y="0"/>
+            <a:ext cx="12192000" cy="6858000"/>
+          </a:xfrm>
+          <a:prstGeom prst="rect">
+            <a:avLst/>
+          </a:prstGeom>
+          <a:ln w="12700" cap="flat" cmpd="sng" algn="ctr">
+            <a:noFill/>
+            <a:prstDash val="solid"/>
+            <a:miter lim="800000"/>
+          </a:ln>
+          <a:effectLst/>
+          <a:extLst>
+            <a:ext uri="{91240B29-F687-4F45-9708-019B960494DF}">
+              <a14:hiddenLine xmlns:a14="http://schemas.microsoft.com/office/drawing/2010/main" w="12700" cap="flat" cmpd="sng" algn="ctr">
+                <a:solidFill>
+                  <a:schemeClr val="accent1">
+                    <a:shade val="50000"/>
+                  </a:schemeClr>
+                </a:solidFill>
+                <a:prstDash val="solid"/>
+                <a:miter lim="800000"/>
+              </a14:hiddenLine>
+            </a:ext>
+          </a:extLst>
+        </p:spPr>
+        <p:style>
+          <a:lnRef idx="2">
+            <a:schemeClr val="accent1">
+              <a:shade val="50000"/>
+            </a:schemeClr>
+          </a:lnRef>
+          <a:fillRef idx="1">
+            <a:schemeClr val="accent1"/>
+          </a:fillRef>
+          <a:effectRef idx="0">
+            <a:schemeClr val="accent1"/>
+          </a:effectRef>
+          <a:fontRef idx="minor">
+            <a:schemeClr val="lt1"/>
+          </a:fontRef>
+        </p:style>
+        <p:txBody>
+          <a:bodyPr rtlCol="0" anchor="ctr"/>
+          <a:lstStyle/>
+          <a:p>
+            <a:pPr algn="ctr"/>
+            <a:endParaRPr lang="en-US"/>
+          </a:p>
+        </p:txBody>
+      </p:sp>
+      <p:sp>
+        <p:nvSpPr>
+          <p:cNvPr id="16" name="Rectangle 15">
+            <a:extLst>
+              <a:ext uri="{FF2B5EF4-FFF2-40B4-BE49-F238E27FC236}">
+                <a16:creationId xmlns:a16="http://schemas.microsoft.com/office/drawing/2014/main" id="{000CCB1D-75F3-3D49-69FB-ED516F293A46}"/>
+              </a:ext>
+              <a:ext uri="{C183D7F6-B498-43B3-948B-1728B52AA6E4}">
+                <adec:decorative xmlns:adec="http://schemas.microsoft.com/office/drawing/2017/decorative" val="1"/>
+              </a:ext>
+            </a:extLst>
+          </p:cNvPr>
+          <p:cNvSpPr>
+            <a:spLocks noGrp="1" noRot="1" noChangeAspect="1" noMove="1" noResize="1" noEditPoints="1" noAdjustHandles="1" noChangeArrowheads="1" noChangeShapeType="1" noTextEdit="1"/>
+          </p:cNvSpPr>
+          <p:nvPr>
+            <p:extLst>
+              <p:ext uri="{386F3935-93C4-4BCD-93E2-E3B085C9AB24}">
+                <p16:designElem xmlns:p16="http://schemas.microsoft.com/office/powerpoint/2015/main" val="1"/>
+              </p:ext>
+            </p:extLst>
+          </p:nvPr>
+        </p:nvSpPr>
+        <p:spPr>
+          <a:xfrm>
+            <a:off x="0" y="0"/>
+            <a:ext cx="12192000" cy="6858000"/>
+          </a:xfrm>
+          <a:prstGeom prst="rect">
+            <a:avLst/>
+          </a:prstGeom>
+          <a:solidFill>
+            <a:srgbClr val="000000"/>
+          </a:solidFill>
+          <a:ln w="12700" cap="flat" cmpd="sng" algn="ctr">
+            <a:noFill/>
+            <a:prstDash val="solid"/>
+            <a:miter lim="800000"/>
+          </a:ln>
+          <a:effectLst/>
+        </p:spPr>
+        <p:style>
+          <a:lnRef idx="2">
+            <a:schemeClr val="accent1">
+              <a:shade val="50000"/>
+            </a:schemeClr>
+          </a:lnRef>
+          <a:fillRef idx="1">
+            <a:schemeClr val="accent1"/>
+          </a:fillRef>
+          <a:effectRef idx="0">
+            <a:schemeClr val="accent1"/>
+          </a:effectRef>
+          <a:fontRef idx="minor">
+            <a:schemeClr val="lt1"/>
+          </a:fontRef>
+        </p:style>
+        <p:txBody>
+          <a:bodyPr rtlCol="0" anchor="ctr"/>
+          <a:lstStyle/>
+          <a:p>
+            <a:pPr algn="ctr"/>
+            <a:endParaRPr lang="en-US"/>
+          </a:p>
+        </p:txBody>
+      </p:sp>
+      <p:pic>
+        <p:nvPicPr>
+          <p:cNvPr id="17" name="Picture 16" descr="White structure">
+            <a:extLst>
+              <a:ext uri="{FF2B5EF4-FFF2-40B4-BE49-F238E27FC236}">
+                <a16:creationId xmlns:a16="http://schemas.microsoft.com/office/drawing/2014/main" id="{445D6C4E-B671-9B73-56C1-BB93D91483BF}"/>
+              </a:ext>
+            </a:extLst>
+          </p:cNvPr>
+          <p:cNvPicPr>
+            <a:picLocks noChangeAspect="1"/>
+          </p:cNvPicPr>
+          <p:nvPr/>
+        </p:nvPicPr>
+        <p:blipFill rotWithShape="1">
+          <a:blip r:embed="rId2">
+            <a:alphaModFix amt="50000"/>
+          </a:blip>
+          <a:srcRect b="24243"/>
+          <a:stretch/>
+        </p:blipFill>
+        <p:spPr>
+          <a:xfrm>
+            <a:off x="20" y="10"/>
+            <a:ext cx="12191979" cy="6857989"/>
+          </a:xfrm>
+          <a:prstGeom prst="rect">
+            <a:avLst/>
+          </a:prstGeom>
+        </p:spPr>
+      </p:pic>
+      <p:sp>
+        <p:nvSpPr>
+          <p:cNvPr id="2" name="Title 1">
+            <a:extLst>
+              <a:ext uri="{FF2B5EF4-FFF2-40B4-BE49-F238E27FC236}">
+                <a16:creationId xmlns:a16="http://schemas.microsoft.com/office/drawing/2014/main" id="{BB8B9F45-3D91-A297-6290-49C37171F876}"/>
+              </a:ext>
+            </a:extLst>
+          </p:cNvPr>
+          <p:cNvSpPr>
+            <a:spLocks noGrp="1"/>
+          </p:cNvSpPr>
+          <p:nvPr>
+            <p:ph type="ctrTitle"/>
+          </p:nvPr>
+        </p:nvSpPr>
+        <p:spPr>
+          <a:xfrm>
+            <a:off x="642728" y="142373"/>
+            <a:ext cx="9407125" cy="447287"/>
+          </a:xfrm>
+        </p:spPr>
+        <p:txBody>
+          <a:bodyPr>
+            <a:normAutofit fontScale="90000"/>
+          </a:bodyPr>
+          <a:lstStyle/>
+          <a:p>
+            <a:r>
+              <a:rPr lang="en-US" sz="2000" dirty="0">
+                <a:solidFill>
+                  <a:srgbClr val="FFFFFF"/>
+                </a:solidFill>
+                <a:latin typeface="+mn-lt"/>
+              </a:rPr>
+              <a:t>Analysis – NWF-CLS vs ORF</a:t>
+            </a:r>
+          </a:p>
+        </p:txBody>
+      </p:sp>
+      <p:sp>
+        <p:nvSpPr>
+          <p:cNvPr id="13" name="Rectangle 12">
+            <a:extLst>
+              <a:ext uri="{FF2B5EF4-FFF2-40B4-BE49-F238E27FC236}">
+                <a16:creationId xmlns:a16="http://schemas.microsoft.com/office/drawing/2014/main" id="{6FACEDC7-44F0-1C5C-954F-D252C0F91E63}"/>
+              </a:ext>
+              <a:ext uri="{C183D7F6-B498-43B3-948B-1728B52AA6E4}">
+                <adec:decorative xmlns:adec="http://schemas.microsoft.com/office/drawing/2017/decorative" val="1"/>
+              </a:ext>
+            </a:extLst>
+          </p:cNvPr>
+          <p:cNvSpPr>
+            <a:spLocks noGrp="1" noRot="1" noChangeAspect="1" noMove="1" noResize="1" noEditPoints="1" noAdjustHandles="1" noChangeArrowheads="1" noChangeShapeType="1" noTextEdit="1"/>
+          </p:cNvSpPr>
+          <p:nvPr>
+            <p:extLst>
+              <p:ext uri="{386F3935-93C4-4BCD-93E2-E3B085C9AB24}">
+                <p16:designElem xmlns:p16="http://schemas.microsoft.com/office/powerpoint/2015/main" val="1"/>
+              </p:ext>
+            </p:extLst>
+          </p:nvPr>
+        </p:nvSpPr>
+        <p:spPr>
+          <a:xfrm>
+            <a:off x="-13253" y="322803"/>
+            <a:ext cx="642729" cy="2930667"/>
+          </a:xfrm>
+          <a:prstGeom prst="rect">
+            <a:avLst/>
+          </a:prstGeom>
+          <a:blipFill dpi="0" rotWithShape="1">
+            <a:blip r:embed="rId3">
+              <a:alphaModFix amt="99000"/>
+              <a:extLst>
+                <a:ext uri="{96DAC541-7B7A-43D3-8B79-37D633B846F1}">
+                  <asvg:svgBlip xmlns:asvg="http://schemas.microsoft.com/office/drawing/2016/SVG/main" r:embed="rId4"/>
+                </a:ext>
+              </a:extLst>
+            </a:blip>
+            <a:srcRect/>
+            <a:tile tx="0" ty="0" sx="6000" sy="6000" flip="none" algn="ctr"/>
+          </a:blipFill>
+          <a:ln>
+            <a:noFill/>
+          </a:ln>
+        </p:spPr>
+        <p:style>
+          <a:lnRef idx="2">
+            <a:schemeClr val="accent1">
+              <a:shade val="50000"/>
+            </a:schemeClr>
+          </a:lnRef>
+          <a:fillRef idx="1">
+            <a:schemeClr val="accent1"/>
+          </a:fillRef>
+          <a:effectRef idx="0">
+            <a:schemeClr val="accent1"/>
+          </a:effectRef>
+          <a:fontRef idx="minor">
+            <a:schemeClr val="lt1"/>
+          </a:fontRef>
+        </p:style>
+        <p:txBody>
+          <a:bodyPr rtlCol="0" anchor="ctr"/>
+          <a:lstStyle/>
+          <a:p>
+            <a:pPr algn="ctr"/>
+            <a:endParaRPr lang="en-US"/>
+          </a:p>
+        </p:txBody>
+      </p:sp>
+      <p:sp>
+        <p:nvSpPr>
+          <p:cNvPr id="15" name="Rectangle 14">
+            <a:extLst>
+              <a:ext uri="{FF2B5EF4-FFF2-40B4-BE49-F238E27FC236}">
+                <a16:creationId xmlns:a16="http://schemas.microsoft.com/office/drawing/2014/main" id="{04CB83E1-6031-C690-39E7-407529C8F04F}"/>
+              </a:ext>
+              <a:ext uri="{C183D7F6-B498-43B3-948B-1728B52AA6E4}">
+                <adec:decorative xmlns:adec="http://schemas.microsoft.com/office/drawing/2017/decorative" val="1"/>
+              </a:ext>
+            </a:extLst>
+          </p:cNvPr>
+          <p:cNvSpPr>
+            <a:spLocks noGrp="1" noRot="1" noChangeAspect="1" noMove="1" noResize="1" noEditPoints="1" noAdjustHandles="1" noChangeArrowheads="1" noChangeShapeType="1" noTextEdit="1"/>
+          </p:cNvSpPr>
+          <p:nvPr>
+            <p:extLst>
+              <p:ext uri="{386F3935-93C4-4BCD-93E2-E3B085C9AB24}">
+                <p16:designElem xmlns:p16="http://schemas.microsoft.com/office/powerpoint/2015/main" val="1"/>
+              </p:ext>
+            </p:extLst>
+          </p:nvPr>
+        </p:nvSpPr>
+        <p:spPr>
+          <a:xfrm flipV="1">
+            <a:off x="0" y="0"/>
+            <a:ext cx="206609" cy="2021305"/>
+          </a:xfrm>
+          <a:prstGeom prst="rect">
+            <a:avLst/>
+          </a:prstGeom>
+          <a:solidFill>
+            <a:schemeClr val="accent2"/>
+          </a:solidFill>
+          <a:ln>
+            <a:noFill/>
+          </a:ln>
+        </p:spPr>
+        <p:style>
+          <a:lnRef idx="2">
+            <a:schemeClr val="accent1">
+              <a:shade val="50000"/>
+            </a:schemeClr>
+          </a:lnRef>
+          <a:fillRef idx="1">
+            <a:schemeClr val="accent1"/>
+          </a:fillRef>
+          <a:effectRef idx="0">
+            <a:schemeClr val="accent1"/>
+          </a:effectRef>
+          <a:fontRef idx="minor">
+            <a:schemeClr val="lt1"/>
+          </a:fontRef>
+        </p:style>
+        <p:txBody>
+          <a:bodyPr rtlCol="0" anchor="ctr"/>
+          <a:lstStyle/>
+          <a:p>
+            <a:pPr algn="ctr"/>
+            <a:endParaRPr lang="en-US"/>
+          </a:p>
+        </p:txBody>
+      </p:sp>
+      <p:sp>
+        <p:nvSpPr>
+          <p:cNvPr id="8" name="TextBox 7">
+            <a:extLst>
+              <a:ext uri="{FF2B5EF4-FFF2-40B4-BE49-F238E27FC236}">
                 <a16:creationId xmlns:a16="http://schemas.microsoft.com/office/drawing/2014/main" id="{6FCC2036-A4F4-EE1B-FC41-BCDB3B71AD92}"/>
               </a:ext>
             </a:extLst>
@@ -7520,7 +8209,7 @@
 </p:sld>
 </file>
 
-<file path=ppt/slides/slide6.xml><?xml version="1.0" encoding="utf-8"?>
+<file path=ppt/slides/slide7.xml><?xml version="1.0" encoding="utf-8"?>
 <p:sld xmlns:a="http://schemas.openxmlformats.org/drawingml/2006/main" xmlns:r="http://schemas.openxmlformats.org/officeDocument/2006/relationships" xmlns:p="http://schemas.openxmlformats.org/presentationml/2006/main">
   <p:cSld>
     <p:bg>
